--- a/Thesis/Figures/polished/wiring_queenie.pptx
+++ b/Thesis/Figures/polished/wiring_queenie.pptx
@@ -243,7 +243,7 @@
           <a:p>
             <a:fld id="{0922A112-48B9-4C05-94B1-8CB940845FC4}" type="datetimeFigureOut">
               <a:rPr lang="en-AU" smtClean="0"/>
-              <a:t>7/10/2018</a:t>
+              <a:t>8/10/2018</a:t>
             </a:fld>
             <a:endParaRPr lang="en-AU"/>
           </a:p>
@@ -413,7 +413,7 @@
           <a:p>
             <a:fld id="{0922A112-48B9-4C05-94B1-8CB940845FC4}" type="datetimeFigureOut">
               <a:rPr lang="en-AU" smtClean="0"/>
-              <a:t>7/10/2018</a:t>
+              <a:t>8/10/2018</a:t>
             </a:fld>
             <a:endParaRPr lang="en-AU"/>
           </a:p>
@@ -593,7 +593,7 @@
           <a:p>
             <a:fld id="{0922A112-48B9-4C05-94B1-8CB940845FC4}" type="datetimeFigureOut">
               <a:rPr lang="en-AU" smtClean="0"/>
-              <a:t>7/10/2018</a:t>
+              <a:t>8/10/2018</a:t>
             </a:fld>
             <a:endParaRPr lang="en-AU"/>
           </a:p>
@@ -763,7 +763,7 @@
           <a:p>
             <a:fld id="{0922A112-48B9-4C05-94B1-8CB940845FC4}" type="datetimeFigureOut">
               <a:rPr lang="en-AU" smtClean="0"/>
-              <a:t>7/10/2018</a:t>
+              <a:t>8/10/2018</a:t>
             </a:fld>
             <a:endParaRPr lang="en-AU"/>
           </a:p>
@@ -1007,7 +1007,7 @@
           <a:p>
             <a:fld id="{0922A112-48B9-4C05-94B1-8CB940845FC4}" type="datetimeFigureOut">
               <a:rPr lang="en-AU" smtClean="0"/>
-              <a:t>7/10/2018</a:t>
+              <a:t>8/10/2018</a:t>
             </a:fld>
             <a:endParaRPr lang="en-AU"/>
           </a:p>
@@ -1239,7 +1239,7 @@
           <a:p>
             <a:fld id="{0922A112-48B9-4C05-94B1-8CB940845FC4}" type="datetimeFigureOut">
               <a:rPr lang="en-AU" smtClean="0"/>
-              <a:t>7/10/2018</a:t>
+              <a:t>8/10/2018</a:t>
             </a:fld>
             <a:endParaRPr lang="en-AU"/>
           </a:p>
@@ -1606,7 +1606,7 @@
           <a:p>
             <a:fld id="{0922A112-48B9-4C05-94B1-8CB940845FC4}" type="datetimeFigureOut">
               <a:rPr lang="en-AU" smtClean="0"/>
-              <a:t>7/10/2018</a:t>
+              <a:t>8/10/2018</a:t>
             </a:fld>
             <a:endParaRPr lang="en-AU"/>
           </a:p>
@@ -1724,7 +1724,7 @@
           <a:p>
             <a:fld id="{0922A112-48B9-4C05-94B1-8CB940845FC4}" type="datetimeFigureOut">
               <a:rPr lang="en-AU" smtClean="0"/>
-              <a:t>7/10/2018</a:t>
+              <a:t>8/10/2018</a:t>
             </a:fld>
             <a:endParaRPr lang="en-AU"/>
           </a:p>
@@ -1819,7 +1819,7 @@
           <a:p>
             <a:fld id="{0922A112-48B9-4C05-94B1-8CB940845FC4}" type="datetimeFigureOut">
               <a:rPr lang="en-AU" smtClean="0"/>
-              <a:t>7/10/2018</a:t>
+              <a:t>8/10/2018</a:t>
             </a:fld>
             <a:endParaRPr lang="en-AU"/>
           </a:p>
@@ -2096,7 +2096,7 @@
           <a:p>
             <a:fld id="{0922A112-48B9-4C05-94B1-8CB940845FC4}" type="datetimeFigureOut">
               <a:rPr lang="en-AU" smtClean="0"/>
-              <a:t>7/10/2018</a:t>
+              <a:t>8/10/2018</a:t>
             </a:fld>
             <a:endParaRPr lang="en-AU"/>
           </a:p>
@@ -2353,7 +2353,7 @@
           <a:p>
             <a:fld id="{0922A112-48B9-4C05-94B1-8CB940845FC4}" type="datetimeFigureOut">
               <a:rPr lang="en-AU" smtClean="0"/>
-              <a:t>7/10/2018</a:t>
+              <a:t>8/10/2018</a:t>
             </a:fld>
             <a:endParaRPr lang="en-AU"/>
           </a:p>
@@ -2566,7 +2566,7 @@
           <a:p>
             <a:fld id="{0922A112-48B9-4C05-94B1-8CB940845FC4}" type="datetimeFigureOut">
               <a:rPr lang="en-AU" smtClean="0"/>
-              <a:t>7/10/2018</a:t>
+              <a:t>8/10/2018</a:t>
             </a:fld>
             <a:endParaRPr lang="en-AU"/>
           </a:p>
@@ -2975,14 +2975,14 @@
         <p:nvCxnSpPr>
           <p:cNvPr id="213" name="Straight Arrow Connector 212"/>
           <p:cNvCxnSpPr>
-            <a:endCxn id="98" idx="2"/>
+            <a:endCxn id="173" idx="0"/>
           </p:cNvCxnSpPr>
           <p:nvPr/>
         </p:nvCxnSpPr>
         <p:spPr>
           <a:xfrm flipH="1" flipV="1">
-            <a:off x="6168593" y="716857"/>
-            <a:ext cx="20757" cy="9590783"/>
+            <a:off x="6184914" y="1287306"/>
+            <a:ext cx="12744" cy="9013454"/>
           </a:xfrm>
           <a:prstGeom prst="straightConnector1">
             <a:avLst/>
@@ -3880,7 +3880,7 @@
         </p:nvSpPr>
         <p:spPr>
           <a:xfrm>
-            <a:off x="3118692" y="2312643"/>
+            <a:off x="3118349" y="1143392"/>
             <a:ext cx="890375" cy="554055"/>
           </a:xfrm>
           <a:prstGeom prst="roundRect">
@@ -3933,71 +3933,6 @@
                 </a:solidFill>
               </a:rPr>
               <a:t>AWG</a:t>
-            </a:r>
-          </a:p>
-        </p:txBody>
-      </p:sp>
-      <p:sp>
-        <p:nvSpPr>
-          <p:cNvPr id="89" name="Rounded Rectangle 88"/>
-          <p:cNvSpPr/>
-          <p:nvPr/>
-        </p:nvSpPr>
-        <p:spPr>
-          <a:xfrm>
-            <a:off x="2174761" y="1213997"/>
-            <a:ext cx="1061734" cy="512935"/>
-          </a:xfrm>
-          <a:prstGeom prst="roundRect">
-            <a:avLst/>
-          </a:prstGeom>
-          <a:solidFill>
-            <a:schemeClr val="accent3">
-              <a:lumMod val="60000"/>
-              <a:lumOff val="40000"/>
-            </a:schemeClr>
-          </a:solidFill>
-          <a:ln w="38100">
-            <a:solidFill>
-              <a:schemeClr val="bg2">
-                <a:lumMod val="50000"/>
-              </a:schemeClr>
-            </a:solidFill>
-          </a:ln>
-        </p:spPr>
-        <p:style>
-          <a:lnRef idx="2">
-            <a:schemeClr val="accent1">
-              <a:shade val="50000"/>
-            </a:schemeClr>
-          </a:lnRef>
-          <a:fillRef idx="1">
-            <a:schemeClr val="accent1"/>
-          </a:fillRef>
-          <a:effectRef idx="0">
-            <a:schemeClr val="accent1"/>
-          </a:effectRef>
-          <a:fontRef idx="minor">
-            <a:schemeClr val="lt1"/>
-          </a:fontRef>
-        </p:style>
-        <p:txBody>
-          <a:bodyPr rot="0" spcFirstLastPara="0" vertOverflow="overflow" horzOverflow="overflow" vert="horz" wrap="square" lIns="91440" tIns="45720" rIns="91440" bIns="45720" numCol="1" spcCol="0" rtlCol="0" fromWordArt="0" anchor="ctr" anchorCtr="0" forceAA="0" compatLnSpc="1">
-            <a:prstTxWarp prst="textNoShape">
-              <a:avLst/>
-            </a:prstTxWarp>
-            <a:noAutofit/>
-          </a:bodyPr>
-          <a:lstStyle/>
-          <a:p>
-            <a:pPr algn="ctr"/>
-            <a:r>
-              <a:rPr lang="en-AU" dirty="0">
-                <a:solidFill>
-                  <a:schemeClr val="tx1"/>
-                </a:solidFill>
-              </a:rPr>
-              <a:t>TTL trigger</a:t>
             </a:r>
           </a:p>
         </p:txBody>
@@ -4095,18 +4030,14 @@
         </p:blipFill>
         <p:spPr>
           <a:xfrm>
-            <a:off x="4595112" y="5521150"/>
+            <a:off x="4607144" y="5521150"/>
             <a:ext cx="518952" cy="583611"/>
           </a:xfrm>
           <a:prstGeom prst="rect">
             <a:avLst/>
           </a:prstGeom>
           <a:ln w="19050">
-            <a:solidFill>
-              <a:schemeClr val="accent4">
-                <a:lumMod val="50000"/>
-              </a:schemeClr>
-            </a:solidFill>
+            <a:noFill/>
           </a:ln>
         </p:spPr>
       </p:pic>
@@ -4147,8 +4078,8 @@
         </p:nvSpPr>
         <p:spPr>
           <a:xfrm>
-            <a:off x="5617006" y="194396"/>
-            <a:ext cx="1103174" cy="522461"/>
+            <a:off x="4027650" y="1143796"/>
+            <a:ext cx="1103174" cy="553651"/>
           </a:xfrm>
           <a:prstGeom prst="roundRect">
             <a:avLst/>
@@ -4308,7 +4239,7 @@
         </p:nvSpPr>
         <p:spPr>
           <a:xfrm>
-            <a:off x="5969461" y="1593934"/>
+            <a:off x="5969461" y="1690190"/>
             <a:ext cx="428441" cy="276734"/>
           </a:xfrm>
           <a:prstGeom prst="triangle">
@@ -4379,7 +4310,7 @@
         </p:blipFill>
         <p:spPr>
           <a:xfrm rot="16200000">
-            <a:off x="5865131" y="2196009"/>
+            <a:off x="5865131" y="2256169"/>
             <a:ext cx="633590" cy="315400"/>
           </a:xfrm>
           <a:prstGeom prst="rect">
@@ -4437,7 +4368,7 @@
         </p:nvSpPr>
         <p:spPr>
           <a:xfrm>
-            <a:off x="6455673" y="1559472"/>
+            <a:off x="6351615" y="1642208"/>
             <a:ext cx="1047681" cy="384721"/>
           </a:xfrm>
           <a:prstGeom prst="rect">
@@ -4503,8 +4434,8 @@
         </p:nvCxnSpPr>
         <p:spPr>
           <a:xfrm rot="5400000">
-            <a:off x="3961428" y="6326943"/>
-            <a:ext cx="1115342" cy="670978"/>
+            <a:off x="3967444" y="6320927"/>
+            <a:ext cx="1115342" cy="683010"/>
           </a:xfrm>
           <a:prstGeom prst="bentConnector3">
             <a:avLst>
@@ -4547,7 +4478,7 @@
         <p:spPr>
           <a:xfrm flipH="1" flipV="1">
             <a:off x="4830063" y="2833685"/>
-            <a:ext cx="24525" cy="2687465"/>
+            <a:ext cx="36557" cy="2687465"/>
           </a:xfrm>
           <a:prstGeom prst="line">
             <a:avLst/>
@@ -4876,7 +4807,7 @@
         </p:nvSpPr>
         <p:spPr>
           <a:xfrm>
-            <a:off x="4399394" y="3031373"/>
+            <a:off x="4428259" y="3583171"/>
             <a:ext cx="822112" cy="395520"/>
           </a:xfrm>
           <a:prstGeom prst="roundRect">
@@ -5003,13 +4934,14 @@
           <p:cNvPr id="38" name="Straight Arrow Connector 37"/>
           <p:cNvCxnSpPr>
             <a:stCxn id="88" idx="2"/>
+            <a:endCxn id="22" idx="1"/>
           </p:cNvCxnSpPr>
           <p:nvPr/>
         </p:nvCxnSpPr>
         <p:spPr>
           <a:xfrm>
-            <a:off x="3563880" y="2866698"/>
-            <a:ext cx="7094" cy="1702334"/>
+            <a:off x="3563537" y="1697447"/>
+            <a:ext cx="7437" cy="2887176"/>
           </a:xfrm>
           <a:prstGeom prst="straightConnector1">
             <a:avLst/>
@@ -5135,7 +5067,7 @@
         </p:blipFill>
         <p:spPr>
           <a:xfrm>
-            <a:off x="5920330" y="1023801"/>
+            <a:off x="5931895" y="1287306"/>
             <a:ext cx="506038" cy="276727"/>
           </a:xfrm>
           <a:prstGeom prst="rect">
@@ -5158,8 +5090,8 @@
         </p:nvSpPr>
         <p:spPr>
           <a:xfrm>
-            <a:off x="6467771" y="970160"/>
-            <a:ext cx="714354" cy="384721"/>
+            <a:off x="6444361" y="1207623"/>
+            <a:ext cx="888084" cy="384721"/>
           </a:xfrm>
           <a:prstGeom prst="rect">
             <a:avLst/>
@@ -5180,7 +5112,17 @@
                   </a:schemeClr>
                 </a:solidFill>
               </a:rPr>
-              <a:t>50Hz</a:t>
+              <a:t>4</a:t>
+            </a:r>
+            <a:r>
+              <a:rPr lang="en-AU" sz="1900" dirty="0" smtClean="0">
+                <a:solidFill>
+                  <a:schemeClr val="accent2">
+                    <a:lumMod val="75000"/>
+                  </a:schemeClr>
+                </a:solidFill>
+              </a:rPr>
+              <a:t>0kHz</a:t>
             </a:r>
             <a:endParaRPr lang="en-AU" sz="1900" dirty="0">
               <a:solidFill>
@@ -5196,59 +5138,17 @@
         <p:nvCxnSpPr>
           <p:cNvPr id="176" name="Straight Arrow Connector 175"/>
           <p:cNvCxnSpPr>
-            <a:endCxn id="89" idx="0"/>
+            <a:endCxn id="88" idx="0"/>
           </p:cNvCxnSpPr>
           <p:nvPr/>
         </p:nvCxnSpPr>
         <p:spPr>
           <a:xfrm flipH="1">
-            <a:off x="2705628" y="867535"/>
-            <a:ext cx="9900" cy="346462"/>
+            <a:off x="3563537" y="843179"/>
+            <a:ext cx="7094" cy="300213"/>
           </a:xfrm>
           <a:prstGeom prst="straightConnector1">
             <a:avLst/>
-          </a:prstGeom>
-          <a:ln w="38100">
-            <a:solidFill>
-              <a:schemeClr val="bg2">
-                <a:lumMod val="50000"/>
-              </a:schemeClr>
-            </a:solidFill>
-            <a:tailEnd type="triangle"/>
-          </a:ln>
-        </p:spPr>
-        <p:style>
-          <a:lnRef idx="1">
-            <a:schemeClr val="accent1"/>
-          </a:lnRef>
-          <a:fillRef idx="0">
-            <a:schemeClr val="accent1"/>
-          </a:fillRef>
-          <a:effectRef idx="0">
-            <a:schemeClr val="accent1"/>
-          </a:effectRef>
-          <a:fontRef idx="minor">
-            <a:schemeClr val="tx1"/>
-          </a:fontRef>
-        </p:style>
-      </p:cxnSp>
-      <p:cxnSp>
-        <p:nvCxnSpPr>
-          <p:cNvPr id="207" name="Elbow Connector 206"/>
-          <p:cNvCxnSpPr>
-            <a:stCxn id="89" idx="3"/>
-          </p:cNvCxnSpPr>
-          <p:nvPr/>
-        </p:nvCxnSpPr>
-        <p:spPr>
-          <a:xfrm flipV="1">
-            <a:off x="3236495" y="633345"/>
-            <a:ext cx="2380511" cy="837120"/>
-          </a:xfrm>
-          <a:prstGeom prst="bentConnector3">
-            <a:avLst>
-              <a:gd name="adj1" fmla="val 79820"/>
-            </a:avLst>
           </a:prstGeom>
           <a:ln w="38100">
             <a:solidFill>
@@ -5278,15 +5178,15 @@
         <p:nvCxnSpPr>
           <p:cNvPr id="226" name="Straight Arrow Connector 225"/>
           <p:cNvCxnSpPr>
-            <a:stCxn id="98" idx="1"/>
-            <a:endCxn id="102" idx="3"/>
+            <a:stCxn id="173" idx="1"/>
+            <a:endCxn id="98" idx="3"/>
           </p:cNvCxnSpPr>
           <p:nvPr/>
         </p:nvCxnSpPr>
         <p:spPr>
           <a:xfrm flipH="1" flipV="1">
-            <a:off x="4991419" y="453475"/>
-            <a:ext cx="625587" cy="2152"/>
+            <a:off x="5130824" y="1420622"/>
+            <a:ext cx="801071" cy="5048"/>
           </a:xfrm>
           <a:prstGeom prst="straightConnector1">
             <a:avLst/>
@@ -5295,89 +5195,6 @@
             <a:solidFill>
               <a:schemeClr val="accent2">
                 <a:lumMod val="75000"/>
-              </a:schemeClr>
-            </a:solidFill>
-            <a:tailEnd type="triangle"/>
-          </a:ln>
-        </p:spPr>
-        <p:style>
-          <a:lnRef idx="1">
-            <a:schemeClr val="accent1"/>
-          </a:lnRef>
-          <a:fillRef idx="0">
-            <a:schemeClr val="accent1"/>
-          </a:fillRef>
-          <a:effectRef idx="0">
-            <a:schemeClr val="accent1"/>
-          </a:effectRef>
-          <a:fontRef idx="minor">
-            <a:schemeClr val="tx1"/>
-          </a:fontRef>
-        </p:style>
-      </p:cxnSp>
-      <p:cxnSp>
-        <p:nvCxnSpPr>
-          <p:cNvPr id="247" name="Elbow Connector 246"/>
-          <p:cNvCxnSpPr>
-            <a:stCxn id="89" idx="2"/>
-            <a:endCxn id="88" idx="0"/>
-          </p:cNvCxnSpPr>
-          <p:nvPr/>
-        </p:nvCxnSpPr>
-        <p:spPr>
-          <a:xfrm rot="16200000" flipH="1">
-            <a:off x="2841899" y="1590661"/>
-            <a:ext cx="585711" cy="858252"/>
-          </a:xfrm>
-          <a:prstGeom prst="bentConnector3">
-            <a:avLst>
-              <a:gd name="adj1" fmla="val 50000"/>
-            </a:avLst>
-          </a:prstGeom>
-          <a:ln w="38100">
-            <a:solidFill>
-              <a:schemeClr val="bg2">
-                <a:lumMod val="50000"/>
-              </a:schemeClr>
-            </a:solidFill>
-            <a:tailEnd type="triangle"/>
-          </a:ln>
-        </p:spPr>
-        <p:style>
-          <a:lnRef idx="1">
-            <a:schemeClr val="accent1"/>
-          </a:lnRef>
-          <a:fillRef idx="0">
-            <a:schemeClr val="accent1"/>
-          </a:fillRef>
-          <a:effectRef idx="0">
-            <a:schemeClr val="accent1"/>
-          </a:effectRef>
-          <a:fontRef idx="minor">
-            <a:schemeClr val="tx1"/>
-          </a:fontRef>
-        </p:style>
-      </p:cxnSp>
-      <p:cxnSp>
-        <p:nvCxnSpPr>
-          <p:cNvPr id="250" name="Elbow Connector 249"/>
-          <p:cNvCxnSpPr>
-            <a:endCxn id="94" idx="0"/>
-          </p:cNvCxnSpPr>
-          <p:nvPr/>
-        </p:nvCxnSpPr>
-        <p:spPr>
-          <a:xfrm>
-            <a:off x="3234457" y="1611410"/>
-            <a:ext cx="1595606" cy="695377"/>
-          </a:xfrm>
-          <a:prstGeom prst="bentConnector2">
-            <a:avLst/>
-          </a:prstGeom>
-          <a:ln w="38100">
-            <a:solidFill>
-              <a:schemeClr val="bg2">
-                <a:lumMod val="50000"/>
               </a:schemeClr>
             </a:solidFill>
             <a:tailEnd type="triangle"/>
@@ -5629,6 +5446,86 @@
           <a:ln w="76200">
             <a:solidFill>
               <a:srgbClr val="C00000"/>
+            </a:solidFill>
+            <a:tailEnd type="triangle"/>
+          </a:ln>
+        </p:spPr>
+        <p:style>
+          <a:lnRef idx="1">
+            <a:schemeClr val="accent1"/>
+          </a:lnRef>
+          <a:fillRef idx="0">
+            <a:schemeClr val="accent1"/>
+          </a:fillRef>
+          <a:effectRef idx="0">
+            <a:schemeClr val="accent1"/>
+          </a:effectRef>
+          <a:fontRef idx="minor">
+            <a:schemeClr val="tx1"/>
+          </a:fontRef>
+        </p:style>
+      </p:cxnSp>
+      <p:cxnSp>
+        <p:nvCxnSpPr>
+          <p:cNvPr id="68" name="Straight Arrow Connector 67"/>
+          <p:cNvCxnSpPr>
+            <a:stCxn id="98" idx="0"/>
+          </p:cNvCxnSpPr>
+          <p:nvPr/>
+        </p:nvCxnSpPr>
+        <p:spPr>
+          <a:xfrm flipH="1" flipV="1">
+            <a:off x="4571997" y="830180"/>
+            <a:ext cx="7240" cy="313616"/>
+          </a:xfrm>
+          <a:prstGeom prst="straightConnector1">
+            <a:avLst/>
+          </a:prstGeom>
+          <a:ln w="38100">
+            <a:solidFill>
+              <a:schemeClr val="accent2">
+                <a:lumMod val="75000"/>
+              </a:schemeClr>
+            </a:solidFill>
+            <a:tailEnd type="triangle"/>
+          </a:ln>
+        </p:spPr>
+        <p:style>
+          <a:lnRef idx="1">
+            <a:schemeClr val="accent1"/>
+          </a:lnRef>
+          <a:fillRef idx="0">
+            <a:schemeClr val="accent1"/>
+          </a:fillRef>
+          <a:effectRef idx="0">
+            <a:schemeClr val="accent1"/>
+          </a:effectRef>
+          <a:fontRef idx="minor">
+            <a:schemeClr val="tx1"/>
+          </a:fontRef>
+        </p:style>
+      </p:cxnSp>
+      <p:cxnSp>
+        <p:nvCxnSpPr>
+          <p:cNvPr id="75" name="Elbow Connector 74"/>
+          <p:cNvCxnSpPr>
+            <a:endCxn id="94" idx="1"/>
+          </p:cNvCxnSpPr>
+          <p:nvPr/>
+        </p:nvCxnSpPr>
+        <p:spPr>
+          <a:xfrm rot="16200000" flipH="1">
+            <a:off x="2710101" y="981140"/>
+            <a:ext cx="1693587" cy="1484603"/>
+          </a:xfrm>
+          <a:prstGeom prst="bentConnector2">
+            <a:avLst/>
+          </a:prstGeom>
+          <a:ln w="38100">
+            <a:solidFill>
+              <a:schemeClr val="bg2">
+                <a:lumMod val="50000"/>
+              </a:schemeClr>
             </a:solidFill>
             <a:tailEnd type="triangle"/>
           </a:ln>
